--- a/ppt/0303_2조_나현희_신원철.pptx
+++ b/ppt/0303_2조_나현희_신원철.pptx
@@ -225,7 +225,7 @@
             <a:fld id="{01015650-063C-455C-8B59-3D8A2C6803D6}" type="datetimeFigureOut">
               <a:rPr lang="ko-KR" altLang="en-US" smtClean="0"/>
               <a:pPr/>
-              <a:t>2023-03-02</a:t>
+              <a:t>2023-03-03</a:t>
             </a:fld>
             <a:endParaRPr lang="ko-KR" altLang="en-US"/>
           </a:p>
@@ -738,18 +738,6 @@
               <a:tabLst/>
               <a:defRPr/>
             </a:pPr>
-            <a:r>
-              <a:rPr lang="ko-KR" altLang="en-US" dirty="0"/>
-              <a:t>오디오가 겹치는 부분은 </a:t>
-            </a:r>
-            <a:r>
-              <a:rPr lang="en-US" altLang="ko-KR" dirty="0"/>
-              <a:t>STT</a:t>
-            </a:r>
-            <a:r>
-              <a:rPr lang="ko-KR" altLang="en-US" dirty="0"/>
-              <a:t>시 정확도가 하락하기 때문에 이를 해결하기 위해 화자 분리를 진행</a:t>
-            </a:r>
             <a:endParaRPr lang="en-US" altLang="ko-KR" dirty="0"/>
           </a:p>
         </p:txBody>
@@ -954,54 +942,7 @@
               <a:tabLst/>
               <a:defRPr/>
             </a:pPr>
-            <a:r>
-              <a:rPr lang="ko-KR" altLang="en-US" dirty="0"/>
-              <a:t>위 진행도는 화자 분리를 위한 음성 신호 </a:t>
-            </a:r>
-            <a:r>
-              <a:rPr lang="ko-KR" altLang="en-US" dirty="0" err="1"/>
-              <a:t>전처리</a:t>
-            </a:r>
-            <a:r>
-              <a:rPr lang="ko-KR" altLang="en-US" dirty="0"/>
-              <a:t> 부분과 </a:t>
-            </a:r>
-            <a:r>
-              <a:rPr lang="en-US" altLang="ko-KR" dirty="0"/>
-              <a:t>STT</a:t>
-            </a:r>
-            <a:r>
-              <a:rPr lang="ko-KR" altLang="en-US" dirty="0"/>
-              <a:t>를 위한 음성 신호 후처리 부분이 추가되었고 </a:t>
-            </a:r>
             <a:endParaRPr lang="en-US" altLang="ko-KR" dirty="0"/>
-          </a:p>
-          <a:p>
-            <a:pPr marL="0" marR="0" lvl="0" indent="0" algn="l" defTabSz="914400" rtl="0" eaLnBrk="1" fontAlgn="auto" latinLnBrk="1" hangingPunct="1">
-              <a:lnSpc>
-                <a:spcPct val="100000"/>
-              </a:lnSpc>
-              <a:spcBef>
-                <a:spcPts val="0"/>
-              </a:spcBef>
-              <a:spcAft>
-                <a:spcPts val="0"/>
-              </a:spcAft>
-              <a:buClrTx/>
-              <a:buSzTx/>
-              <a:buFontTx/>
-              <a:buNone/>
-              <a:tabLst/>
-              <a:defRPr/>
-            </a:pPr>
-            <a:r>
-              <a:rPr lang="ko-KR" altLang="en-US" dirty="0"/>
-              <a:t>아래 진행도는 성능 비교를 위해 화자 분리 부분이 빠져 있어요</a:t>
-            </a:r>
-            <a:r>
-              <a:rPr lang="en-US" altLang="ko-KR" dirty="0"/>
-              <a:t>.</a:t>
-            </a:r>
           </a:p>
         </p:txBody>
       </p:sp>
@@ -1103,134 +1044,6 @@
               <a:tabLst/>
               <a:defRPr/>
             </a:pPr>
-            <a:r>
-              <a:rPr lang="ko-KR" altLang="en-US" dirty="0"/>
-              <a:t>음성 신호 전처리가 필요한 이유</a:t>
-            </a:r>
-            <a:r>
-              <a:rPr lang="en-US" altLang="ko-KR" dirty="0"/>
-              <a:t>: </a:t>
-            </a:r>
-            <a:r>
-              <a:rPr lang="ko-KR" altLang="en-US" dirty="0"/>
-              <a:t>한 기사당 대략 </a:t>
-            </a:r>
-            <a:r>
-              <a:rPr lang="en-US" altLang="ko-KR" dirty="0"/>
-              <a:t>3</a:t>
-            </a:r>
-            <a:r>
-              <a:rPr lang="ko-KR" altLang="en-US" dirty="0"/>
-              <a:t>분 정도의 길이인데 이를 통째로 모델에 넣으면 많은 </a:t>
-            </a:r>
-            <a:r>
-              <a:rPr lang="en-US" altLang="ko-KR" dirty="0" err="1"/>
-              <a:t>gpu</a:t>
-            </a:r>
-            <a:r>
-              <a:rPr lang="en-US" altLang="ko-KR" dirty="0"/>
-              <a:t> resource</a:t>
-            </a:r>
-            <a:r>
-              <a:rPr lang="ko-KR" altLang="en-US" dirty="0"/>
-              <a:t>가 필요하기 때문에 적당한 길이로 잘라서 모델에 넣어야 함</a:t>
-            </a:r>
-            <a:r>
-              <a:rPr lang="en-US" altLang="ko-KR" dirty="0"/>
-              <a:t>. </a:t>
-            </a:r>
-            <a:r>
-              <a:rPr lang="ko-KR" altLang="en-US" dirty="0"/>
-              <a:t>시간 별로 자르게 되면 화자가 말하는 중간에 잘리는 경우 </a:t>
-            </a:r>
-            <a:r>
-              <a:rPr lang="en-US" altLang="ko-KR" dirty="0"/>
-              <a:t>STT</a:t>
-            </a:r>
-            <a:r>
-              <a:rPr lang="ko-KR" altLang="en-US" dirty="0"/>
-              <a:t>시 정확성에 문제가 생길 수 있기 때문에 </a:t>
-            </a:r>
-            <a:r>
-              <a:rPr lang="en-US" altLang="ko-KR" dirty="0"/>
-              <a:t>VAD</a:t>
-            </a:r>
-            <a:r>
-              <a:rPr lang="ko-KR" altLang="en-US" dirty="0"/>
-              <a:t>알고리즘이 적당하다고 판단</a:t>
-            </a:r>
-            <a:r>
-              <a:rPr lang="en-US" altLang="ko-KR" dirty="0"/>
-              <a:t>.</a:t>
-            </a:r>
-          </a:p>
-          <a:p>
-            <a:pPr marL="0" marR="0" lvl="0" indent="0" algn="l" defTabSz="914400" rtl="0" eaLnBrk="1" fontAlgn="auto" latinLnBrk="1" hangingPunct="1">
-              <a:lnSpc>
-                <a:spcPct val="100000"/>
-              </a:lnSpc>
-              <a:spcBef>
-                <a:spcPts val="0"/>
-              </a:spcBef>
-              <a:spcAft>
-                <a:spcPts val="0"/>
-              </a:spcAft>
-              <a:buClrTx/>
-              <a:buSzTx/>
-              <a:buFontTx/>
-              <a:buNone/>
-              <a:tabLst/>
-              <a:defRPr/>
-            </a:pPr>
-            <a:endParaRPr lang="en-US" altLang="ko-KR" dirty="0"/>
-          </a:p>
-          <a:p>
-            <a:pPr marL="0" marR="0" lvl="0" indent="0" algn="l" defTabSz="914400" rtl="0" eaLnBrk="1" fontAlgn="auto" latinLnBrk="1" hangingPunct="1">
-              <a:lnSpc>
-                <a:spcPct val="100000"/>
-              </a:lnSpc>
-              <a:spcBef>
-                <a:spcPts val="0"/>
-              </a:spcBef>
-              <a:spcAft>
-                <a:spcPts val="0"/>
-              </a:spcAft>
-              <a:buClrTx/>
-              <a:buSzTx/>
-              <a:buFontTx/>
-              <a:buNone/>
-              <a:tabLst/>
-              <a:defRPr/>
-            </a:pPr>
-            <a:r>
-              <a:rPr lang="en-US" altLang="ko-KR" dirty="0"/>
-              <a:t>VAD</a:t>
-            </a:r>
-            <a:r>
-              <a:rPr lang="ko-KR" altLang="en-US" dirty="0"/>
-              <a:t>알고리즘</a:t>
-            </a:r>
-            <a:r>
-              <a:rPr lang="en-US" altLang="ko-KR" dirty="0"/>
-              <a:t>: </a:t>
-            </a:r>
-            <a:r>
-              <a:rPr lang="ko-KR" altLang="en-US" dirty="0"/>
-              <a:t>입력 </a:t>
-            </a:r>
-            <a:r>
-              <a:rPr lang="ko-KR" altLang="en-US" u="none" strike="noStrike" dirty="0">
-                <a:solidFill>
-                  <a:srgbClr val="000080"/>
-                </a:solidFill>
-                <a:effectLst/>
-              </a:rPr>
-              <a:t>신호</a:t>
-            </a:r>
-            <a:r>
-              <a:rPr lang="ko-KR" altLang="en-US" dirty="0"/>
-              <a:t>에서 실제 음성과 묵음을 분간하는 기술</a:t>
-            </a:r>
             <a:endParaRPr lang="en-US" altLang="ko-KR" dirty="0"/>
           </a:p>
         </p:txBody>
@@ -1333,125 +1146,7 @@
               <a:tabLst/>
               <a:defRPr/>
             </a:pPr>
-            <a:r>
-              <a:rPr lang="ko-KR" altLang="en-US" dirty="0"/>
-              <a:t>음성 신호 후처리 이유</a:t>
-            </a:r>
-            <a:r>
-              <a:rPr lang="en-US" altLang="ko-KR" dirty="0"/>
-              <a:t>: </a:t>
-            </a:r>
-            <a:r>
-              <a:rPr lang="ko-KR" altLang="en-US" dirty="0"/>
-              <a:t>같은 화자 별로 신호를 묶기 위함</a:t>
-            </a:r>
-            <a:r>
-              <a:rPr lang="en-US" altLang="ko-KR" dirty="0"/>
-              <a:t>. </a:t>
-            </a:r>
-            <a:r>
-              <a:rPr lang="ko-KR" altLang="en-US" dirty="0"/>
-              <a:t>이를 위해 신호의 특징을 추출</a:t>
-            </a:r>
-            <a:r>
-              <a:rPr lang="en-US" altLang="ko-KR" dirty="0"/>
-              <a:t>(</a:t>
-            </a:r>
-            <a:r>
-              <a:rPr lang="ko-KR" altLang="en-US" dirty="0"/>
-              <a:t>보통 </a:t>
-            </a:r>
-            <a:r>
-              <a:rPr lang="en-US" altLang="ko-KR" dirty="0"/>
-              <a:t>MFCC </a:t>
-            </a:r>
-            <a:r>
-              <a:rPr lang="ko-KR" altLang="en-US" dirty="0"/>
-              <a:t>사용 근데 굳이 말하면 저번처럼 꼬투리 잡히니까 언급하지 </a:t>
-            </a:r>
-            <a:r>
-              <a:rPr lang="ko-KR" altLang="en-US" dirty="0" err="1"/>
-              <a:t>말져</a:t>
-            </a:r>
-            <a:r>
-              <a:rPr lang="en-US" altLang="ko-KR" dirty="0"/>
-              <a:t>). </a:t>
-            </a:r>
-            <a:r>
-              <a:rPr lang="ko-KR" altLang="en-US" dirty="0"/>
-              <a:t>특정 기준점</a:t>
-            </a:r>
-            <a:r>
-              <a:rPr lang="en-US" altLang="ko-KR" dirty="0"/>
-              <a:t>(threshold)</a:t>
-            </a:r>
-            <a:r>
-              <a:rPr lang="ko-KR" altLang="en-US" dirty="0"/>
-              <a:t>넘으면 동일 화자로 판단</a:t>
-            </a:r>
-            <a:r>
-              <a:rPr lang="en-US" altLang="ko-KR" dirty="0"/>
-              <a:t>. </a:t>
-            </a:r>
-          </a:p>
-          <a:p>
-            <a:pPr marL="0" marR="0" lvl="0" indent="0" algn="l" defTabSz="914400" rtl="0" eaLnBrk="1" fontAlgn="auto" latinLnBrk="1" hangingPunct="1">
-              <a:lnSpc>
-                <a:spcPct val="100000"/>
-              </a:lnSpc>
-              <a:spcBef>
-                <a:spcPts val="0"/>
-              </a:spcBef>
-              <a:spcAft>
-                <a:spcPts val="0"/>
-              </a:spcAft>
-              <a:buClrTx/>
-              <a:buSzTx/>
-              <a:buFontTx/>
-              <a:buNone/>
-              <a:tabLst/>
-              <a:defRPr/>
-            </a:pPr>
             <a:endParaRPr lang="en-US" altLang="ko-KR" dirty="0"/>
-          </a:p>
-          <a:p>
-            <a:pPr marL="0" marR="0" lvl="0" indent="0" algn="l" defTabSz="914400" rtl="0" eaLnBrk="1" fontAlgn="auto" latinLnBrk="1" hangingPunct="1">
-              <a:lnSpc>
-                <a:spcPct val="100000"/>
-              </a:lnSpc>
-              <a:spcBef>
-                <a:spcPts val="0"/>
-              </a:spcBef>
-              <a:spcAft>
-                <a:spcPts val="0"/>
-              </a:spcAft>
-              <a:buClrTx/>
-              <a:buSzTx/>
-              <a:buFontTx/>
-              <a:buNone/>
-              <a:tabLst/>
-              <a:defRPr/>
-            </a:pPr>
-            <a:r>
-              <a:rPr lang="ko-KR" altLang="en-US" dirty="0"/>
-              <a:t>참고로 분리된 신호를 시간순서로 </a:t>
-            </a:r>
-            <a:r>
-              <a:rPr lang="en-US" altLang="ko-KR" dirty="0"/>
-              <a:t>STT</a:t>
-            </a:r>
-            <a:r>
-              <a:rPr lang="ko-KR" altLang="en-US" dirty="0"/>
-              <a:t>모델에 넣어야 하는데 이 방법은 아직 </a:t>
-            </a:r>
-            <a:r>
-              <a:rPr lang="ko-KR" altLang="en-US" dirty="0" err="1"/>
-              <a:t>고민중이에여</a:t>
-            </a:r>
-            <a:r>
-              <a:rPr lang="en-US" altLang="ko-KR" dirty="0"/>
-              <a:t>.</a:t>
-            </a:r>
           </a:p>
         </p:txBody>
       </p:sp>
@@ -1553,86 +1248,7 @@
               <a:tabLst/>
               <a:defRPr/>
             </a:pPr>
-            <a:r>
-              <a:rPr lang="ko-KR" altLang="en-US" dirty="0"/>
-              <a:t>사용될 모델 학습에 사용될 </a:t>
-            </a:r>
-            <a:r>
-              <a:rPr lang="en-US" altLang="ko-KR" dirty="0"/>
-              <a:t>sparse </a:t>
-            </a:r>
-            <a:r>
-              <a:rPr lang="en-US" altLang="ko-KR" dirty="0" err="1"/>
-              <a:t>librimix</a:t>
-            </a:r>
-            <a:r>
-              <a:rPr lang="en-US" altLang="ko-KR" dirty="0"/>
-              <a:t> </a:t>
-            </a:r>
-            <a:r>
-              <a:rPr lang="ko-KR" altLang="en-US" dirty="0"/>
-              <a:t>위 그림처럼 신호가 중첩된 비율에 따라 데이터가 구성되어 있는데 일반화</a:t>
-            </a:r>
-            <a:r>
-              <a:rPr lang="en-US" altLang="ko-KR" dirty="0"/>
-              <a:t>(generalization)</a:t>
-            </a:r>
-            <a:r>
-              <a:rPr lang="ko-KR" altLang="en-US" dirty="0"/>
-              <a:t>을 위해 </a:t>
-            </a:r>
-            <a:r>
-              <a:rPr lang="en-US" altLang="ko-KR" dirty="0"/>
-              <a:t>20%</a:t>
-            </a:r>
-            <a:r>
-              <a:rPr lang="ko-KR" altLang="en-US" dirty="0"/>
-              <a:t>섞인 데이터로 학습시킬 예정</a:t>
-            </a:r>
-            <a:r>
-              <a:rPr lang="en-US" altLang="ko-KR" dirty="0"/>
-              <a:t>. (</a:t>
-            </a:r>
-            <a:r>
-              <a:rPr lang="ko-KR" altLang="en-US" dirty="0"/>
-              <a:t>뉴스 특성상 오디오가 </a:t>
-            </a:r>
-            <a:r>
-              <a:rPr lang="en-US" altLang="ko-KR" dirty="0"/>
-              <a:t>100% </a:t>
-            </a:r>
-            <a:r>
-              <a:rPr lang="ko-KR" altLang="en-US" dirty="0"/>
-              <a:t>겹칠 것 같은데 이 부분도 꼬투리 잡힐 수도</a:t>
-            </a:r>
-            <a:r>
-              <a:rPr lang="en-US" altLang="ko-KR" dirty="0"/>
-              <a:t>.) </a:t>
-            </a:r>
-            <a:r>
-              <a:rPr lang="ko-KR" altLang="en-US" dirty="0"/>
-              <a:t>위 그림에서는 </a:t>
-            </a:r>
-            <a:r>
-              <a:rPr lang="en-US" altLang="ko-KR" dirty="0"/>
-              <a:t>3mix </a:t>
-            </a:r>
-            <a:r>
-              <a:rPr lang="ko-KR" altLang="en-US" dirty="0"/>
-              <a:t>그림인데 저희는 </a:t>
-            </a:r>
-            <a:r>
-              <a:rPr lang="en-US" altLang="ko-KR" dirty="0"/>
-              <a:t>2mix </a:t>
-            </a:r>
-            <a:r>
-              <a:rPr lang="ko-KR" altLang="en-US" dirty="0"/>
-              <a:t>쓸 것 같아요</a:t>
-            </a:r>
-            <a:r>
-              <a:rPr lang="en-US" altLang="ko-KR" dirty="0"/>
-              <a:t>. </a:t>
-            </a:r>
+            <a:endParaRPr lang="en-US" altLang="ko-KR" dirty="0"/>
           </a:p>
         </p:txBody>
       </p:sp>
@@ -1853,7 +1469,7 @@
             <a:fld id="{7C350D00-E9DF-4C32-8EF9-982D014E2409}" type="datetimeFigureOut">
               <a:rPr lang="ko-KR" altLang="en-US" smtClean="0"/>
               <a:pPr/>
-              <a:t>2023-03-02</a:t>
+              <a:t>2023-03-03</a:t>
             </a:fld>
             <a:endParaRPr lang="ko-KR" altLang="en-US"/>
           </a:p>
@@ -2018,7 +1634,7 @@
             <a:fld id="{7C350D00-E9DF-4C32-8EF9-982D014E2409}" type="datetimeFigureOut">
               <a:rPr lang="ko-KR" altLang="en-US" smtClean="0"/>
               <a:pPr/>
-              <a:t>2023-03-02</a:t>
+              <a:t>2023-03-03</a:t>
             </a:fld>
             <a:endParaRPr lang="ko-KR" altLang="en-US"/>
           </a:p>
@@ -2193,7 +1809,7 @@
             <a:fld id="{7C350D00-E9DF-4C32-8EF9-982D014E2409}" type="datetimeFigureOut">
               <a:rPr lang="ko-KR" altLang="en-US" smtClean="0"/>
               <a:pPr/>
-              <a:t>2023-03-02</a:t>
+              <a:t>2023-03-03</a:t>
             </a:fld>
             <a:endParaRPr lang="ko-KR" altLang="en-US"/>
           </a:p>
@@ -2358,7 +1974,7 @@
             <a:fld id="{7C350D00-E9DF-4C32-8EF9-982D014E2409}" type="datetimeFigureOut">
               <a:rPr lang="ko-KR" altLang="en-US" smtClean="0"/>
               <a:pPr/>
-              <a:t>2023-03-02</a:t>
+              <a:t>2023-03-03</a:t>
             </a:fld>
             <a:endParaRPr lang="ko-KR" altLang="en-US"/>
           </a:p>
@@ -2600,7 +2216,7 @@
             <a:fld id="{7C350D00-E9DF-4C32-8EF9-982D014E2409}" type="datetimeFigureOut">
               <a:rPr lang="ko-KR" altLang="en-US" smtClean="0"/>
               <a:pPr/>
-              <a:t>2023-03-02</a:t>
+              <a:t>2023-03-03</a:t>
             </a:fld>
             <a:endParaRPr lang="ko-KR" altLang="en-US"/>
           </a:p>
@@ -2882,7 +2498,7 @@
             <a:fld id="{7C350D00-E9DF-4C32-8EF9-982D014E2409}" type="datetimeFigureOut">
               <a:rPr lang="ko-KR" altLang="en-US" smtClean="0"/>
               <a:pPr/>
-              <a:t>2023-03-02</a:t>
+              <a:t>2023-03-03</a:t>
             </a:fld>
             <a:endParaRPr lang="ko-KR" altLang="en-US"/>
           </a:p>
@@ -3303,7 +2919,7 @@
             <a:fld id="{7C350D00-E9DF-4C32-8EF9-982D014E2409}" type="datetimeFigureOut">
               <a:rPr lang="ko-KR" altLang="en-US" smtClean="0"/>
               <a:pPr/>
-              <a:t>2023-03-02</a:t>
+              <a:t>2023-03-03</a:t>
             </a:fld>
             <a:endParaRPr lang="ko-KR" altLang="en-US"/>
           </a:p>
@@ -3417,7 +3033,7 @@
             <a:fld id="{7C350D00-E9DF-4C32-8EF9-982D014E2409}" type="datetimeFigureOut">
               <a:rPr lang="ko-KR" altLang="en-US" smtClean="0"/>
               <a:pPr/>
-              <a:t>2023-03-02</a:t>
+              <a:t>2023-03-03</a:t>
             </a:fld>
             <a:endParaRPr lang="ko-KR" altLang="en-US"/>
           </a:p>
@@ -3509,7 +3125,7 @@
             <a:fld id="{7C350D00-E9DF-4C32-8EF9-982D014E2409}" type="datetimeFigureOut">
               <a:rPr lang="ko-KR" altLang="en-US" smtClean="0"/>
               <a:pPr/>
-              <a:t>2023-03-02</a:t>
+              <a:t>2023-03-03</a:t>
             </a:fld>
             <a:endParaRPr lang="ko-KR" altLang="en-US"/>
           </a:p>
@@ -3781,7 +3397,7 @@
             <a:fld id="{7C350D00-E9DF-4C32-8EF9-982D014E2409}" type="datetimeFigureOut">
               <a:rPr lang="ko-KR" altLang="en-US" smtClean="0"/>
               <a:pPr/>
-              <a:t>2023-03-02</a:t>
+              <a:t>2023-03-03</a:t>
             </a:fld>
             <a:endParaRPr lang="ko-KR" altLang="en-US"/>
           </a:p>
@@ -4030,7 +3646,7 @@
             <a:fld id="{7C350D00-E9DF-4C32-8EF9-982D014E2409}" type="datetimeFigureOut">
               <a:rPr lang="ko-KR" altLang="en-US" smtClean="0"/>
               <a:pPr/>
-              <a:t>2023-03-02</a:t>
+              <a:t>2023-03-03</a:t>
             </a:fld>
             <a:endParaRPr lang="ko-KR" altLang="en-US"/>
           </a:p>
@@ -4238,7 +3854,7 @@
             <a:fld id="{7C350D00-E9DF-4C32-8EF9-982D014E2409}" type="datetimeFigureOut">
               <a:rPr lang="ko-KR" altLang="en-US" smtClean="0"/>
               <a:pPr/>
-              <a:t>2023-03-02</a:t>
+              <a:t>2023-03-03</a:t>
             </a:fld>
             <a:endParaRPr lang="ko-KR" altLang="en-US"/>
           </a:p>
